--- a/Presentation.pptx
+++ b/Presentation.pptx
@@ -11302,6 +11302,107 @@
           <a:bodyPr/>
           <a:lstStyle/>
           <a:p>
+            <a:r>
+              <a:rPr lang="de-DE" dirty="0"/>
+              <a:t>Player:</a:t>
+            </a:r>
+          </a:p>
+          <a:p>
+            <a:pPr marL="285750" indent="-285750">
+              <a:buFont typeface="Arial" panose="020B0604020202020204" pitchFamily="34" charset="0"/>
+              <a:buChar char="•"/>
+            </a:pPr>
+            <a:r>
+              <a:rPr lang="de-DE" dirty="0"/>
+              <a:t>Anti-Heat</a:t>
+            </a:r>
+          </a:p>
+          <a:p>
+            <a:pPr marL="285750" indent="-285750">
+              <a:buFont typeface="Arial" panose="020B0604020202020204" pitchFamily="34" charset="0"/>
+              <a:buChar char="•"/>
+            </a:pPr>
+            <a:endParaRPr lang="de-DE" dirty="0"/>
+          </a:p>
+          <a:p>
+            <a:r>
+              <a:rPr lang="de-DE" dirty="0"/>
+              <a:t>Hindernisse</a:t>
+            </a:r>
+          </a:p>
+          <a:p>
+            <a:pPr marL="285750" indent="-285750">
+              <a:buFont typeface="Arial" panose="020B0604020202020204" pitchFamily="34" charset="0"/>
+              <a:buChar char="•"/>
+            </a:pPr>
+            <a:r>
+              <a:rPr lang="de-DE" dirty="0"/>
+              <a:t>Vortex aka Gruben</a:t>
+            </a:r>
+          </a:p>
+          <a:p>
+            <a:pPr marL="285750" indent="-285750">
+              <a:buFont typeface="Arial" panose="020B0604020202020204" pitchFamily="34" charset="0"/>
+              <a:buChar char="•"/>
+            </a:pPr>
+            <a:r>
+              <a:rPr lang="de-DE" dirty="0"/>
+              <a:t>Lava</a:t>
+            </a:r>
+          </a:p>
+          <a:p>
+            <a:pPr marL="285750" indent="-285750">
+              <a:buFont typeface="Arial" panose="020B0604020202020204" pitchFamily="34" charset="0"/>
+              <a:buChar char="•"/>
+            </a:pPr>
+            <a:r>
+              <a:rPr lang="de-DE" dirty="0"/>
+              <a:t>Heat </a:t>
+            </a:r>
+            <a:r>
+              <a:rPr lang="de-DE"/>
+              <a:t>Distortion</a:t>
+            </a:r>
+            <a:endParaRPr lang="de-DE" dirty="0"/>
+          </a:p>
+          <a:p>
+            <a:pPr marL="285750" indent="-285750">
+              <a:buFont typeface="Arial" panose="020B0604020202020204" pitchFamily="34" charset="0"/>
+              <a:buChar char="•"/>
+            </a:pPr>
+            <a:endParaRPr lang="de-DE" dirty="0"/>
+          </a:p>
+          <a:p>
+            <a:r>
+              <a:rPr lang="de-DE" dirty="0"/>
+              <a:t>Umgebung</a:t>
+            </a:r>
+          </a:p>
+          <a:p>
+            <a:pPr marL="285750" indent="-285750">
+              <a:buFont typeface="Arial" panose="020B0604020202020204" pitchFamily="34" charset="0"/>
+              <a:buChar char="•"/>
+            </a:pPr>
+            <a:r>
+              <a:rPr lang="de-DE" dirty="0"/>
+              <a:t>Hex</a:t>
+            </a:r>
+          </a:p>
+          <a:p>
+            <a:pPr marL="285750" indent="-285750">
+              <a:buFont typeface="Arial" panose="020B0604020202020204" pitchFamily="34" charset="0"/>
+              <a:buChar char="•"/>
+            </a:pPr>
+            <a:r>
+              <a:rPr lang="de-DE" dirty="0"/>
+              <a:t>Gras</a:t>
+            </a:r>
+          </a:p>
+          <a:p>
+            <a:pPr marL="285750" indent="-285750">
+              <a:buFont typeface="Arial" panose="020B0604020202020204" pitchFamily="34" charset="0"/>
+              <a:buChar char="•"/>
+            </a:pPr>
             <a:endParaRPr lang="de-DE" dirty="0"/>
           </a:p>
         </p:txBody>
